--- a/Journée du 5 mai 2023.pptx
+++ b/Journée du 5 mai 2023.pptx
@@ -6098,7 +6098,7 @@
             </a:r>
             <a:r>
               <a:rPr lang="fr-FR" dirty="0" smtClean="0"/>
-              <a:t>) et donc il n’apprendra plus rien </a:t>
+              <a:t>) et donc il n’apprendra plus rien !!</a:t>
             </a:r>
           </a:p>
           <a:p>
@@ -6127,7 +6127,7 @@
             <a:pPr lvl="2"/>
             <a:r>
               <a:rPr lang="fr-FR" dirty="0" smtClean="0"/>
-              <a:t>On lui donne des phrases (</a:t>
+              <a:t>1) On lui donne des phrases (</a:t>
             </a:r>
             <a:r>
               <a:rPr lang="fr-FR" i="1" dirty="0" smtClean="0">
@@ -6159,7 +6159,7 @@
             <a:pPr lvl="2"/>
             <a:r>
               <a:rPr lang="fr-FR" dirty="0" smtClean="0"/>
-              <a:t>Et lui complète ce contexte par des phrases qui complète de façon la plus </a:t>
+              <a:t>2) Et lui, complète ce contexte par des phrases qui complètent de façon la plus </a:t>
             </a:r>
             <a:r>
               <a:rPr lang="fr-FR" sz="2400" b="1" dirty="0" smtClean="0">
@@ -6171,7 +6171,15 @@
             </a:r>
             <a:r>
               <a:rPr lang="fr-FR" dirty="0" smtClean="0"/>
-              <a:t> (statistiquement) par rapport à ce qui a appris</a:t>
+              <a:t> (statistiquement) ce contexte par rapport à tout </a:t>
+            </a:r>
+            <a:r>
+              <a:rPr lang="fr-FR" smtClean="0"/>
+              <a:t>ce qu’il </a:t>
+            </a:r>
+            <a:r>
+              <a:rPr lang="fr-FR" dirty="0" smtClean="0"/>
+              <a:t>a appris</a:t>
             </a:r>
           </a:p>
           <a:p>

--- a/Journée du 5 mai 2023.pptx
+++ b/Journée du 5 mai 2023.pptx
@@ -5,7 +5,7 @@
     <p:sldMasterId id="2147483648" r:id="rId1"/>
   </p:sldMasterIdLst>
   <p:notesMasterIdLst>
-    <p:notesMasterId r:id="rId13"/>
+    <p:notesMasterId r:id="rId16"/>
   </p:notesMasterIdLst>
   <p:sldIdLst>
     <p:sldId id="256" r:id="rId2"/>
@@ -19,6 +19,9 @@
     <p:sldId id="264" r:id="rId10"/>
     <p:sldId id="265" r:id="rId11"/>
     <p:sldId id="266" r:id="rId12"/>
+    <p:sldId id="267" r:id="rId13"/>
+    <p:sldId id="268" r:id="rId14"/>
+    <p:sldId id="269" r:id="rId15"/>
   </p:sldIdLst>
   <p:sldSz cx="12192000" cy="6858000"/>
   <p:notesSz cx="6858000" cy="9144000"/>
@@ -4107,6 +4110,602 @@
 </p:sld>
 </file>
 
+<file path=ppt/slides/slide12.xml><?xml version="1.0" encoding="utf-8"?>
+<p:sld xmlns:a="http://schemas.openxmlformats.org/drawingml/2006/main" xmlns:r="http://schemas.openxmlformats.org/officeDocument/2006/relationships" xmlns:p="http://schemas.openxmlformats.org/presentationml/2006/main">
+  <p:cSld>
+    <p:spTree>
+      <p:nvGrpSpPr>
+        <p:cNvPr id="1" name=""/>
+        <p:cNvGrpSpPr/>
+        <p:nvPr/>
+      </p:nvGrpSpPr>
+      <p:grpSpPr>
+        <a:xfrm>
+          <a:off x="0" y="0"/>
+          <a:ext cx="0" cy="0"/>
+          <a:chOff x="0" y="0"/>
+          <a:chExt cx="0" cy="0"/>
+        </a:xfrm>
+      </p:grpSpPr>
+      <p:sp>
+        <p:nvSpPr>
+          <p:cNvPr id="2" name="Titre 1"/>
+          <p:cNvSpPr>
+            <a:spLocks noGrp="1"/>
+          </p:cNvSpPr>
+          <p:nvPr>
+            <p:ph type="title"/>
+          </p:nvPr>
+        </p:nvSpPr>
+        <p:spPr/>
+        <p:txBody>
+          <a:bodyPr/>
+          <a:lstStyle/>
+          <a:p>
+            <a:r>
+              <a:rPr lang="fr-FR" dirty="0" smtClean="0">
+                <a:solidFill>
+                  <a:srgbClr val="0070C0"/>
+                </a:solidFill>
+              </a:rPr>
+              <a:t>Les images avec ESP32 CAM</a:t>
+            </a:r>
+            <a:endParaRPr lang="fr-FR" dirty="0">
+              <a:solidFill>
+                <a:srgbClr val="0070C0"/>
+              </a:solidFill>
+            </a:endParaRPr>
+          </a:p>
+        </p:txBody>
+      </p:sp>
+      <p:sp>
+        <p:nvSpPr>
+          <p:cNvPr id="3" name="Espace réservé du contenu 2"/>
+          <p:cNvSpPr>
+            <a:spLocks noGrp="1"/>
+          </p:cNvSpPr>
+          <p:nvPr>
+            <p:ph idx="1"/>
+          </p:nvPr>
+        </p:nvSpPr>
+        <p:spPr/>
+        <p:txBody>
+          <a:bodyPr/>
+          <a:lstStyle/>
+          <a:p>
+            <a:r>
+              <a:rPr lang="fr-FR" dirty="0" smtClean="0"/>
+              <a:t>Le </a:t>
+            </a:r>
+            <a:r>
+              <a:rPr lang="fr-FR" dirty="0" err="1" smtClean="0"/>
+              <a:t>micro-controleur</a:t>
+            </a:r>
+            <a:r>
+              <a:rPr lang="fr-FR" dirty="0" smtClean="0"/>
+              <a:t> ESP32-CAM reste assez simple (la quantité de mémoire par exemple)</a:t>
+            </a:r>
+          </a:p>
+          <a:p>
+            <a:r>
+              <a:rPr lang="fr-FR" dirty="0" smtClean="0"/>
+              <a:t>Ensuite pour exploiter des images cela demande souvent des programmes complexes qui ne logent pas sur la carte</a:t>
+            </a:r>
+          </a:p>
+          <a:p>
+            <a:r>
+              <a:rPr lang="fr-FR" dirty="0" smtClean="0"/>
+              <a:t>Alors on utilise une connexion Wifi entre la carte et un PC ou bien avec smartphone</a:t>
+            </a:r>
+          </a:p>
+          <a:p>
+            <a:endParaRPr lang="fr-FR" dirty="0"/>
+          </a:p>
+        </p:txBody>
+      </p:sp>
+      <p:pic>
+        <p:nvPicPr>
+          <p:cNvPr id="1026" name="Picture 2" descr="https://www.gotronic.fr/blog/wp-content/uploads/2020/11/Logo.jpg"/>
+          <p:cNvPicPr>
+            <a:picLocks noChangeAspect="1" noChangeArrowheads="1"/>
+          </p:cNvPicPr>
+          <p:nvPr/>
+        </p:nvPicPr>
+        <p:blipFill>
+          <a:blip r:embed="rId2">
+            <a:extLst>
+              <a:ext uri="{28A0092B-C50C-407E-A947-70E740481C1C}">
+                <a14:useLocalDpi xmlns:a14="http://schemas.microsoft.com/office/drawing/2010/main" val="0"/>
+              </a:ext>
+            </a:extLst>
+          </a:blip>
+          <a:srcRect/>
+          <a:stretch>
+            <a:fillRect/>
+          </a:stretch>
+        </p:blipFill>
+        <p:spPr bwMode="auto">
+          <a:xfrm>
+            <a:off x="632652" y="4821016"/>
+            <a:ext cx="3270969" cy="1490884"/>
+          </a:xfrm>
+          <a:prstGeom prst="rect">
+            <a:avLst/>
+          </a:prstGeom>
+          <a:noFill/>
+          <a:extLst>
+            <a:ext uri="{909E8E84-426E-40DD-AFC4-6F175D3DCCD1}">
+              <a14:hiddenFill xmlns:a14="http://schemas.microsoft.com/office/drawing/2010/main">
+                <a:solidFill>
+                  <a:srgbClr val="FFFFFF"/>
+                </a:solidFill>
+              </a14:hiddenFill>
+            </a:ext>
+          </a:extLst>
+        </p:spPr>
+      </p:pic>
+      <p:pic>
+        <p:nvPicPr>
+          <p:cNvPr id="1032" name="Picture 8" descr="Pc images libres de droit, photos de Pc | Depositphotos"/>
+          <p:cNvPicPr>
+            <a:picLocks noChangeAspect="1" noChangeArrowheads="1"/>
+          </p:cNvPicPr>
+          <p:nvPr/>
+        </p:nvPicPr>
+        <p:blipFill>
+          <a:blip r:embed="rId3">
+            <a:extLst>
+              <a:ext uri="{28A0092B-C50C-407E-A947-70E740481C1C}">
+                <a14:useLocalDpi xmlns:a14="http://schemas.microsoft.com/office/drawing/2010/main" val="0"/>
+              </a:ext>
+            </a:extLst>
+          </a:blip>
+          <a:srcRect/>
+          <a:stretch>
+            <a:fillRect/>
+          </a:stretch>
+        </p:blipFill>
+        <p:spPr bwMode="auto">
+          <a:xfrm>
+            <a:off x="7139802" y="4576763"/>
+            <a:ext cx="2857500" cy="1600200"/>
+          </a:xfrm>
+          <a:prstGeom prst="rect">
+            <a:avLst/>
+          </a:prstGeom>
+          <a:noFill/>
+          <a:extLst>
+            <a:ext uri="{909E8E84-426E-40DD-AFC4-6F175D3DCCD1}">
+              <a14:hiddenFill xmlns:a14="http://schemas.microsoft.com/office/drawing/2010/main">
+                <a:solidFill>
+                  <a:srgbClr val="FFFFFF"/>
+                </a:solidFill>
+              </a14:hiddenFill>
+            </a:ext>
+          </a:extLst>
+        </p:spPr>
+      </p:pic>
+      <p:cxnSp>
+        <p:nvCxnSpPr>
+          <p:cNvPr id="7" name="Connecteur en arc 6"/>
+          <p:cNvCxnSpPr>
+            <a:stCxn id="1026" idx="3"/>
+            <a:endCxn id="1032" idx="1"/>
+          </p:cNvCxnSpPr>
+          <p:nvPr/>
+        </p:nvCxnSpPr>
+        <p:spPr>
+          <a:xfrm flipV="1">
+            <a:off x="3903621" y="5376863"/>
+            <a:ext cx="3236181" cy="189595"/>
+          </a:xfrm>
+          <a:prstGeom prst="curvedConnector3">
+            <a:avLst/>
+          </a:prstGeom>
+          <a:ln w="76200">
+            <a:tailEnd type="triangle"/>
+          </a:ln>
+        </p:spPr>
+        <p:style>
+          <a:lnRef idx="1">
+            <a:schemeClr val="accent1"/>
+          </a:lnRef>
+          <a:fillRef idx="0">
+            <a:schemeClr val="accent1"/>
+          </a:fillRef>
+          <a:effectRef idx="0">
+            <a:schemeClr val="accent1"/>
+          </a:effectRef>
+          <a:fontRef idx="minor">
+            <a:schemeClr val="tx1"/>
+          </a:fontRef>
+        </p:style>
+      </p:cxnSp>
+    </p:spTree>
+    <p:extLst>
+      <p:ext uri="{BB962C8B-B14F-4D97-AF65-F5344CB8AC3E}">
+        <p14:creationId xmlns:p14="http://schemas.microsoft.com/office/powerpoint/2010/main" val="2375713708"/>
+      </p:ext>
+    </p:extLst>
+  </p:cSld>
+  <p:clrMapOvr>
+    <a:masterClrMapping/>
+  </p:clrMapOvr>
+</p:sld>
+</file>
+
+<file path=ppt/slides/slide13.xml><?xml version="1.0" encoding="utf-8"?>
+<p:sld xmlns:a="http://schemas.openxmlformats.org/drawingml/2006/main" xmlns:r="http://schemas.openxmlformats.org/officeDocument/2006/relationships" xmlns:p="http://schemas.openxmlformats.org/presentationml/2006/main">
+  <p:cSld>
+    <p:spTree>
+      <p:nvGrpSpPr>
+        <p:cNvPr id="1" name=""/>
+        <p:cNvGrpSpPr/>
+        <p:nvPr/>
+      </p:nvGrpSpPr>
+      <p:grpSpPr>
+        <a:xfrm>
+          <a:off x="0" y="0"/>
+          <a:ext cx="0" cy="0"/>
+          <a:chOff x="0" y="0"/>
+          <a:chExt cx="0" cy="0"/>
+        </a:xfrm>
+      </p:grpSpPr>
+      <p:sp>
+        <p:nvSpPr>
+          <p:cNvPr id="2" name="Titre 1"/>
+          <p:cNvSpPr>
+            <a:spLocks noGrp="1"/>
+          </p:cNvSpPr>
+          <p:nvPr>
+            <p:ph type="title"/>
+          </p:nvPr>
+        </p:nvSpPr>
+        <p:spPr/>
+        <p:txBody>
+          <a:bodyPr/>
+          <a:lstStyle/>
+          <a:p>
+            <a:r>
+              <a:rPr lang="fr-FR" dirty="0" smtClean="0">
+                <a:solidFill>
+                  <a:srgbClr val="0070C0"/>
+                </a:solidFill>
+              </a:rPr>
+              <a:t>Les images avec ESP32 CAM</a:t>
+            </a:r>
+            <a:endParaRPr lang="fr-FR" dirty="0">
+              <a:solidFill>
+                <a:srgbClr val="0070C0"/>
+              </a:solidFill>
+            </a:endParaRPr>
+          </a:p>
+        </p:txBody>
+      </p:sp>
+      <p:sp>
+        <p:nvSpPr>
+          <p:cNvPr id="3" name="Espace réservé du contenu 2"/>
+          <p:cNvSpPr>
+            <a:spLocks noGrp="1"/>
+          </p:cNvSpPr>
+          <p:nvPr>
+            <p:ph idx="1"/>
+          </p:nvPr>
+        </p:nvSpPr>
+        <p:spPr>
+          <a:xfrm>
+            <a:off x="1076739" y="2064164"/>
+            <a:ext cx="10515600" cy="4351338"/>
+          </a:xfrm>
+        </p:spPr>
+        <p:txBody>
+          <a:bodyPr/>
+          <a:lstStyle/>
+          <a:p>
+            <a:r>
+              <a:rPr lang="fr-FR" dirty="0" smtClean="0"/>
+              <a:t>Il suffit alors</a:t>
+            </a:r>
+          </a:p>
+          <a:p>
+            <a:pPr lvl="1"/>
+            <a:r>
+              <a:rPr lang="fr-FR" dirty="0" smtClean="0"/>
+              <a:t>De connecter le réseau local défini par le programme dans le ESP32</a:t>
+            </a:r>
+          </a:p>
+          <a:p>
+            <a:pPr lvl="1"/>
+            <a:r>
+              <a:rPr lang="fr-FR" dirty="0" smtClean="0"/>
+              <a:t>D’ouvrir un navigateur Web à la bonne adresse</a:t>
+            </a:r>
+          </a:p>
+          <a:p>
+            <a:pPr lvl="1"/>
+            <a:r>
+              <a:rPr lang="fr-FR" dirty="0" smtClean="0"/>
+              <a:t>Pour la vidéo: </a:t>
+            </a:r>
+            <a:r>
+              <a:rPr lang="fr-FR" dirty="0" smtClean="0">
+                <a:hlinkClick r:id="rId2"/>
+              </a:rPr>
+              <a:t>http://192.168.4.1:81/stream</a:t>
+            </a:r>
+            <a:endParaRPr lang="fr-FR" dirty="0" smtClean="0"/>
+          </a:p>
+          <a:p>
+            <a:pPr lvl="1"/>
+            <a:r>
+              <a:rPr lang="fr-FR" dirty="0" smtClean="0"/>
+              <a:t>Pour des images: </a:t>
+            </a:r>
+            <a:r>
+              <a:rPr lang="fr-FR" dirty="0" smtClean="0">
+                <a:hlinkClick r:id="rId3"/>
+              </a:rPr>
+              <a:t>http://192.168.4.1:80/capture</a:t>
+            </a:r>
+            <a:endParaRPr lang="fr-FR" dirty="0" smtClean="0"/>
+          </a:p>
+          <a:p>
+            <a:pPr lvl="1"/>
+            <a:endParaRPr lang="fr-FR" dirty="0" smtClean="0"/>
+          </a:p>
+          <a:p>
+            <a:pPr lvl="1"/>
+            <a:endParaRPr lang="fr-FR" dirty="0"/>
+          </a:p>
+        </p:txBody>
+      </p:sp>
+      <p:pic>
+        <p:nvPicPr>
+          <p:cNvPr id="1026" name="Picture 2" descr="https://www.gotronic.fr/blog/wp-content/uploads/2020/11/Logo.jpg"/>
+          <p:cNvPicPr>
+            <a:picLocks noChangeAspect="1" noChangeArrowheads="1"/>
+          </p:cNvPicPr>
+          <p:nvPr/>
+        </p:nvPicPr>
+        <p:blipFill>
+          <a:blip r:embed="rId4">
+            <a:extLst>
+              <a:ext uri="{28A0092B-C50C-407E-A947-70E740481C1C}">
+                <a14:useLocalDpi xmlns:a14="http://schemas.microsoft.com/office/drawing/2010/main" val="0"/>
+              </a:ext>
+            </a:extLst>
+          </a:blip>
+          <a:srcRect/>
+          <a:stretch>
+            <a:fillRect/>
+          </a:stretch>
+        </p:blipFill>
+        <p:spPr bwMode="auto">
+          <a:xfrm>
+            <a:off x="632652" y="4821016"/>
+            <a:ext cx="3270969" cy="1490884"/>
+          </a:xfrm>
+          <a:prstGeom prst="rect">
+            <a:avLst/>
+          </a:prstGeom>
+          <a:noFill/>
+          <a:extLst>
+            <a:ext uri="{909E8E84-426E-40DD-AFC4-6F175D3DCCD1}">
+              <a14:hiddenFill xmlns:a14="http://schemas.microsoft.com/office/drawing/2010/main">
+                <a:solidFill>
+                  <a:srgbClr val="FFFFFF"/>
+                </a:solidFill>
+              </a14:hiddenFill>
+            </a:ext>
+          </a:extLst>
+        </p:spPr>
+      </p:pic>
+      <p:pic>
+        <p:nvPicPr>
+          <p:cNvPr id="1032" name="Picture 8" descr="Pc images libres de droit, photos de Pc | Depositphotos"/>
+          <p:cNvPicPr>
+            <a:picLocks noChangeAspect="1" noChangeArrowheads="1"/>
+          </p:cNvPicPr>
+          <p:nvPr/>
+        </p:nvPicPr>
+        <p:blipFill>
+          <a:blip r:embed="rId5">
+            <a:extLst>
+              <a:ext uri="{28A0092B-C50C-407E-A947-70E740481C1C}">
+                <a14:useLocalDpi xmlns:a14="http://schemas.microsoft.com/office/drawing/2010/main" val="0"/>
+              </a:ext>
+            </a:extLst>
+          </a:blip>
+          <a:srcRect/>
+          <a:stretch>
+            <a:fillRect/>
+          </a:stretch>
+        </p:blipFill>
+        <p:spPr bwMode="auto">
+          <a:xfrm>
+            <a:off x="7139802" y="4576763"/>
+            <a:ext cx="2857500" cy="1600200"/>
+          </a:xfrm>
+          <a:prstGeom prst="rect">
+            <a:avLst/>
+          </a:prstGeom>
+          <a:noFill/>
+          <a:extLst>
+            <a:ext uri="{909E8E84-426E-40DD-AFC4-6F175D3DCCD1}">
+              <a14:hiddenFill xmlns:a14="http://schemas.microsoft.com/office/drawing/2010/main">
+                <a:solidFill>
+                  <a:srgbClr val="FFFFFF"/>
+                </a:solidFill>
+              </a14:hiddenFill>
+            </a:ext>
+          </a:extLst>
+        </p:spPr>
+      </p:pic>
+      <p:cxnSp>
+        <p:nvCxnSpPr>
+          <p:cNvPr id="7" name="Connecteur en arc 6"/>
+          <p:cNvCxnSpPr>
+            <a:stCxn id="1026" idx="3"/>
+            <a:endCxn id="1032" idx="1"/>
+          </p:cNvCxnSpPr>
+          <p:nvPr/>
+        </p:nvCxnSpPr>
+        <p:spPr>
+          <a:xfrm flipV="1">
+            <a:off x="3903621" y="5376863"/>
+            <a:ext cx="3236181" cy="189595"/>
+          </a:xfrm>
+          <a:prstGeom prst="curvedConnector3">
+            <a:avLst/>
+          </a:prstGeom>
+          <a:ln w="76200">
+            <a:tailEnd type="triangle"/>
+          </a:ln>
+        </p:spPr>
+        <p:style>
+          <a:lnRef idx="1">
+            <a:schemeClr val="accent1"/>
+          </a:lnRef>
+          <a:fillRef idx="0">
+            <a:schemeClr val="accent1"/>
+          </a:fillRef>
+          <a:effectRef idx="0">
+            <a:schemeClr val="accent1"/>
+          </a:effectRef>
+          <a:fontRef idx="minor">
+            <a:schemeClr val="tx1"/>
+          </a:fontRef>
+        </p:style>
+      </p:cxnSp>
+    </p:spTree>
+    <p:extLst>
+      <p:ext uri="{BB962C8B-B14F-4D97-AF65-F5344CB8AC3E}">
+        <p14:creationId xmlns:p14="http://schemas.microsoft.com/office/powerpoint/2010/main" val="3304377875"/>
+      </p:ext>
+    </p:extLst>
+  </p:cSld>
+  <p:clrMapOvr>
+    <a:masterClrMapping/>
+  </p:clrMapOvr>
+</p:sld>
+</file>
+
+<file path=ppt/slides/slide14.xml><?xml version="1.0" encoding="utf-8"?>
+<p:sld xmlns:a="http://schemas.openxmlformats.org/drawingml/2006/main" xmlns:r="http://schemas.openxmlformats.org/officeDocument/2006/relationships" xmlns:p="http://schemas.openxmlformats.org/presentationml/2006/main">
+  <p:cSld>
+    <p:spTree>
+      <p:nvGrpSpPr>
+        <p:cNvPr id="1" name=""/>
+        <p:cNvGrpSpPr/>
+        <p:nvPr/>
+      </p:nvGrpSpPr>
+      <p:grpSpPr>
+        <a:xfrm>
+          <a:off x="0" y="0"/>
+          <a:ext cx="0" cy="0"/>
+          <a:chOff x="0" y="0"/>
+          <a:chExt cx="0" cy="0"/>
+        </a:xfrm>
+      </p:grpSpPr>
+      <p:sp>
+        <p:nvSpPr>
+          <p:cNvPr id="2" name="Titre 1"/>
+          <p:cNvSpPr>
+            <a:spLocks noGrp="1"/>
+          </p:cNvSpPr>
+          <p:nvPr>
+            <p:ph type="title"/>
+          </p:nvPr>
+        </p:nvSpPr>
+        <p:spPr/>
+        <p:txBody>
+          <a:bodyPr/>
+          <a:lstStyle/>
+          <a:p>
+            <a:r>
+              <a:rPr lang="fr-FR" dirty="0" smtClean="0">
+                <a:solidFill>
+                  <a:srgbClr val="0070C0"/>
+                </a:solidFill>
+              </a:rPr>
+              <a:t>Les images avec ESP32 CAM</a:t>
+            </a:r>
+            <a:endParaRPr lang="fr-FR" dirty="0">
+              <a:solidFill>
+                <a:srgbClr val="0070C0"/>
+              </a:solidFill>
+            </a:endParaRPr>
+          </a:p>
+        </p:txBody>
+      </p:sp>
+      <p:sp>
+        <p:nvSpPr>
+          <p:cNvPr id="3" name="Espace réservé du contenu 2"/>
+          <p:cNvSpPr>
+            <a:spLocks noGrp="1"/>
+          </p:cNvSpPr>
+          <p:nvPr>
+            <p:ph idx="1"/>
+          </p:nvPr>
+        </p:nvSpPr>
+        <p:spPr>
+          <a:xfrm>
+            <a:off x="1076739" y="2064164"/>
+            <a:ext cx="10515600" cy="4351338"/>
+          </a:xfrm>
+        </p:spPr>
+        <p:txBody>
+          <a:bodyPr/>
+          <a:lstStyle/>
+          <a:p>
+            <a:r>
+              <a:rPr lang="fr-FR" dirty="0" smtClean="0"/>
+              <a:t>Mais aussi on peut écrire un programme (par exemple avec le langage de programmation Python) ce qui permet d’utiliser les images</a:t>
+            </a:r>
+          </a:p>
+          <a:p>
+            <a:r>
+              <a:rPr lang="fr-FR" dirty="0" smtClean="0"/>
+              <a:t>On peut alors analyser les images reçues et les confronter au réseau de neurones artificiels qui aura été entraîné à reconnaître des figures connues</a:t>
+            </a:r>
+          </a:p>
+          <a:p>
+            <a:r>
+              <a:rPr lang="fr-FR" dirty="0" smtClean="0"/>
+              <a:t>Malheureusement ces outils demandent beaucoup de mémoire et ne logent pas toujours directement sur la carte </a:t>
+            </a:r>
+            <a:r>
+              <a:rPr lang="fr-FR" dirty="0" err="1" smtClean="0"/>
+              <a:t>micro-controleur</a:t>
+            </a:r>
+            <a:r>
+              <a:rPr lang="fr-FR" dirty="0" smtClean="0"/>
+              <a:t>, ce qui oblige à utiliser la liaison avec un PC.</a:t>
+            </a:r>
+          </a:p>
+          <a:p>
+            <a:pPr lvl="1"/>
+            <a:endParaRPr lang="fr-FR" dirty="0" smtClean="0"/>
+          </a:p>
+          <a:p>
+            <a:pPr lvl="1"/>
+            <a:endParaRPr lang="fr-FR" dirty="0"/>
+          </a:p>
+        </p:txBody>
+      </p:sp>
+    </p:spTree>
+    <p:extLst>
+      <p:ext uri="{BB962C8B-B14F-4D97-AF65-F5344CB8AC3E}">
+        <p14:creationId xmlns:p14="http://schemas.microsoft.com/office/powerpoint/2010/main" val="3863798381"/>
+      </p:ext>
+    </p:extLst>
+  </p:cSld>
+  <p:clrMapOvr>
+    <a:masterClrMapping/>
+  </p:clrMapOvr>
+</p:sld>
+</file>
+
 <file path=ppt/slides/slide2.xml><?xml version="1.0" encoding="utf-8"?>
 <p:sld xmlns:a="http://schemas.openxmlformats.org/drawingml/2006/main" xmlns:r="http://schemas.openxmlformats.org/officeDocument/2006/relationships" xmlns:p="http://schemas.openxmlformats.org/presentationml/2006/main">
   <p:cSld>
@@ -6052,7 +6651,7 @@
             </a:r>
             <a:r>
               <a:rPr lang="fr-FR" dirty="0" smtClean="0"/>
-              <a:t> (contrôlée désormais par </a:t>
+              <a:t> (associée à </a:t>
             </a:r>
             <a:r>
               <a:rPr lang="fr-FR" dirty="0" err="1" smtClean="0"/>
@@ -6171,15 +6770,7 @@
             </a:r>
             <a:r>
               <a:rPr lang="fr-FR" dirty="0" smtClean="0"/>
-              <a:t> (statistiquement) ce contexte par rapport à tout </a:t>
-            </a:r>
-            <a:r>
-              <a:rPr lang="fr-FR" smtClean="0"/>
-              <a:t>ce qu’il </a:t>
-            </a:r>
-            <a:r>
-              <a:rPr lang="fr-FR" dirty="0" smtClean="0"/>
-              <a:t>a appris</a:t>
+              <a:t> (statistiquement) ce contexte par rapport à tout ce qu’il a appris</a:t>
             </a:r>
           </a:p>
           <a:p>

--- a/Journée du 5 mai 2023.pptx
+++ b/Journée du 5 mai 2023.pptx
@@ -5,7 +5,7 @@
     <p:sldMasterId id="2147483648" r:id="rId1"/>
   </p:sldMasterIdLst>
   <p:notesMasterIdLst>
-    <p:notesMasterId r:id="rId16"/>
+    <p:notesMasterId r:id="rId17"/>
   </p:notesMasterIdLst>
   <p:sldIdLst>
     <p:sldId id="256" r:id="rId2"/>
@@ -19,9 +19,10 @@
     <p:sldId id="264" r:id="rId10"/>
     <p:sldId id="265" r:id="rId11"/>
     <p:sldId id="266" r:id="rId12"/>
-    <p:sldId id="267" r:id="rId13"/>
-    <p:sldId id="268" r:id="rId14"/>
-    <p:sldId id="269" r:id="rId15"/>
+    <p:sldId id="270" r:id="rId13"/>
+    <p:sldId id="267" r:id="rId14"/>
+    <p:sldId id="268" r:id="rId15"/>
+    <p:sldId id="269" r:id="rId16"/>
   </p:sldIdLst>
   <p:sldSz cx="12192000" cy="6858000"/>
   <p:notesSz cx="6858000" cy="9144000"/>
@@ -4143,6 +4144,231 @@
           <a:lstStyle/>
           <a:p>
             <a:r>
+              <a:rPr lang="fr-FR" dirty="0" smtClean="0"/>
+              <a:t>La carte </a:t>
+            </a:r>
+            <a:r>
+              <a:rPr lang="fr-FR" dirty="0" err="1" smtClean="0"/>
+              <a:t>Arduino</a:t>
+            </a:r>
+            <a:r>
+              <a:rPr lang="fr-FR" dirty="0" smtClean="0"/>
+              <a:t> UNO</a:t>
+            </a:r>
+            <a:endParaRPr lang="fr-FR" dirty="0"/>
+          </a:p>
+        </p:txBody>
+      </p:sp>
+      <p:pic>
+        <p:nvPicPr>
+          <p:cNvPr id="3074" name="Picture 2" descr="https://www.robotique.tech/wp-content/uploads/2022/05/arduino_uno.png"/>
+          <p:cNvPicPr>
+            <a:picLocks noChangeAspect="1" noChangeArrowheads="1"/>
+          </p:cNvPicPr>
+          <p:nvPr/>
+        </p:nvPicPr>
+        <p:blipFill>
+          <a:blip r:embed="rId2">
+            <a:extLst>
+              <a:ext uri="{28A0092B-C50C-407E-A947-70E740481C1C}">
+                <a14:useLocalDpi xmlns:a14="http://schemas.microsoft.com/office/drawing/2010/main" val="0"/>
+              </a:ext>
+            </a:extLst>
+          </a:blip>
+          <a:srcRect/>
+          <a:stretch>
+            <a:fillRect/>
+          </a:stretch>
+        </p:blipFill>
+        <p:spPr bwMode="auto">
+          <a:xfrm>
+            <a:off x="838200" y="1892423"/>
+            <a:ext cx="2071977" cy="1512991"/>
+          </a:xfrm>
+          <a:prstGeom prst="rect">
+            <a:avLst/>
+          </a:prstGeom>
+          <a:noFill/>
+          <a:extLst>
+            <a:ext uri="{909E8E84-426E-40DD-AFC4-6F175D3DCCD1}">
+              <a14:hiddenFill xmlns:a14="http://schemas.microsoft.com/office/drawing/2010/main">
+                <a:solidFill>
+                  <a:srgbClr val="FFFFFF"/>
+                </a:solidFill>
+              </a14:hiddenFill>
+            </a:ext>
+          </a:extLst>
+        </p:spPr>
+      </p:pic>
+      <p:pic>
+        <p:nvPicPr>
+          <p:cNvPr id="3076" name="Picture 4" descr="https://www.robotique.tech/wp-content/uploads/2021/04/LED.png"/>
+          <p:cNvPicPr>
+            <a:picLocks noChangeAspect="1" noChangeArrowheads="1"/>
+          </p:cNvPicPr>
+          <p:nvPr/>
+        </p:nvPicPr>
+        <p:blipFill>
+          <a:blip r:embed="rId3">
+            <a:extLst>
+              <a:ext uri="{28A0092B-C50C-407E-A947-70E740481C1C}">
+                <a14:useLocalDpi xmlns:a14="http://schemas.microsoft.com/office/drawing/2010/main" val="0"/>
+              </a:ext>
+            </a:extLst>
+          </a:blip>
+          <a:srcRect/>
+          <a:stretch>
+            <a:fillRect/>
+          </a:stretch>
+        </p:blipFill>
+        <p:spPr bwMode="auto">
+          <a:xfrm>
+            <a:off x="3578156" y="1844728"/>
+            <a:ext cx="1322236" cy="1559241"/>
+          </a:xfrm>
+          <a:prstGeom prst="rect">
+            <a:avLst/>
+          </a:prstGeom>
+          <a:noFill/>
+          <a:extLst>
+            <a:ext uri="{909E8E84-426E-40DD-AFC4-6F175D3DCCD1}">
+              <a14:hiddenFill xmlns:a14="http://schemas.microsoft.com/office/drawing/2010/main">
+                <a:solidFill>
+                  <a:srgbClr val="FFFFFF"/>
+                </a:solidFill>
+              </a14:hiddenFill>
+            </a:ext>
+          </a:extLst>
+        </p:spPr>
+      </p:pic>
+      <p:pic>
+        <p:nvPicPr>
+          <p:cNvPr id="3078" name="Picture 6" descr="https://www.robotique.tech/wp-content/uploads/2022/11/plaque-essai.png"/>
+          <p:cNvPicPr>
+            <a:picLocks noChangeAspect="1" noChangeArrowheads="1"/>
+          </p:cNvPicPr>
+          <p:nvPr/>
+        </p:nvPicPr>
+        <p:blipFill>
+          <a:blip r:embed="rId4">
+            <a:extLst>
+              <a:ext uri="{28A0092B-C50C-407E-A947-70E740481C1C}">
+                <a14:useLocalDpi xmlns:a14="http://schemas.microsoft.com/office/drawing/2010/main" val="0"/>
+              </a:ext>
+            </a:extLst>
+          </a:blip>
+          <a:srcRect/>
+          <a:stretch>
+            <a:fillRect/>
+          </a:stretch>
+        </p:blipFill>
+        <p:spPr bwMode="auto">
+          <a:xfrm>
+            <a:off x="1372193" y="4060496"/>
+            <a:ext cx="2205963" cy="1366739"/>
+          </a:xfrm>
+          <a:prstGeom prst="rect">
+            <a:avLst/>
+          </a:prstGeom>
+          <a:noFill/>
+          <a:extLst>
+            <a:ext uri="{909E8E84-426E-40DD-AFC4-6F175D3DCCD1}">
+              <a14:hiddenFill xmlns:a14="http://schemas.microsoft.com/office/drawing/2010/main">
+                <a:solidFill>
+                  <a:srgbClr val="FFFFFF"/>
+                </a:solidFill>
+              </a14:hiddenFill>
+            </a:ext>
+          </a:extLst>
+        </p:spPr>
+      </p:pic>
+      <p:pic>
+        <p:nvPicPr>
+          <p:cNvPr id="3080" name="Picture 8" descr="https://www.robotique.tech/wp-content/uploads/2020/06/Arduino-led_bb.png"/>
+          <p:cNvPicPr>
+            <a:picLocks noChangeAspect="1" noChangeArrowheads="1"/>
+          </p:cNvPicPr>
+          <p:nvPr/>
+        </p:nvPicPr>
+        <p:blipFill>
+          <a:blip r:embed="rId5" cstate="print">
+            <a:extLst>
+              <a:ext uri="{28A0092B-C50C-407E-A947-70E740481C1C}">
+                <a14:useLocalDpi xmlns:a14="http://schemas.microsoft.com/office/drawing/2010/main" val="0"/>
+              </a:ext>
+            </a:extLst>
+          </a:blip>
+          <a:srcRect/>
+          <a:stretch>
+            <a:fillRect/>
+          </a:stretch>
+        </p:blipFill>
+        <p:spPr bwMode="auto">
+          <a:xfrm>
+            <a:off x="5879492" y="2458529"/>
+            <a:ext cx="4872757" cy="3565026"/>
+          </a:xfrm>
+          <a:prstGeom prst="rect">
+            <a:avLst/>
+          </a:prstGeom>
+          <a:noFill/>
+          <a:extLst>
+            <a:ext uri="{909E8E84-426E-40DD-AFC4-6F175D3DCCD1}">
+              <a14:hiddenFill xmlns:a14="http://schemas.microsoft.com/office/drawing/2010/main">
+                <a:solidFill>
+                  <a:srgbClr val="FFFFFF"/>
+                </a:solidFill>
+              </a14:hiddenFill>
+            </a:ext>
+          </a:extLst>
+        </p:spPr>
+      </p:pic>
+    </p:spTree>
+    <p:extLst>
+      <p:ext uri="{BB962C8B-B14F-4D97-AF65-F5344CB8AC3E}">
+        <p14:creationId xmlns:p14="http://schemas.microsoft.com/office/powerpoint/2010/main" val="1182461775"/>
+      </p:ext>
+    </p:extLst>
+  </p:cSld>
+  <p:clrMapOvr>
+    <a:masterClrMapping/>
+  </p:clrMapOvr>
+</p:sld>
+</file>
+
+<file path=ppt/slides/slide13.xml><?xml version="1.0" encoding="utf-8"?>
+<p:sld xmlns:a="http://schemas.openxmlformats.org/drawingml/2006/main" xmlns:r="http://schemas.openxmlformats.org/officeDocument/2006/relationships" xmlns:p="http://schemas.openxmlformats.org/presentationml/2006/main">
+  <p:cSld>
+    <p:spTree>
+      <p:nvGrpSpPr>
+        <p:cNvPr id="1" name=""/>
+        <p:cNvGrpSpPr/>
+        <p:nvPr/>
+      </p:nvGrpSpPr>
+      <p:grpSpPr>
+        <a:xfrm>
+          <a:off x="0" y="0"/>
+          <a:ext cx="0" cy="0"/>
+          <a:chOff x="0" y="0"/>
+          <a:chExt cx="0" cy="0"/>
+        </a:xfrm>
+      </p:grpSpPr>
+      <p:sp>
+        <p:nvSpPr>
+          <p:cNvPr id="2" name="Titre 1"/>
+          <p:cNvSpPr>
+            <a:spLocks noGrp="1"/>
+          </p:cNvSpPr>
+          <p:nvPr>
+            <p:ph type="title"/>
+          </p:nvPr>
+        </p:nvSpPr>
+        <p:spPr/>
+        <p:txBody>
+          <a:bodyPr/>
+          <a:lstStyle/>
+          <a:p>
+            <a:r>
               <a:rPr lang="fr-FR" dirty="0" smtClean="0">
                 <a:solidFill>
                   <a:srgbClr val="0070C0"/>
@@ -4334,7 +4560,7 @@
 </p:sld>
 </file>
 
-<file path=ppt/slides/slide13.xml><?xml version="1.0" encoding="utf-8"?>
+<file path=ppt/slides/slide14.xml><?xml version="1.0" encoding="utf-8"?>
 <p:sld xmlns:a="http://schemas.openxmlformats.org/drawingml/2006/main" xmlns:r="http://schemas.openxmlformats.org/officeDocument/2006/relationships" xmlns:p="http://schemas.openxmlformats.org/presentationml/2006/main">
   <p:cSld>
     <p:spTree>
@@ -4590,7 +4816,7 @@
 </p:sld>
 </file>
 
-<file path=ppt/slides/slide14.xml><?xml version="1.0" encoding="utf-8"?>
+<file path=ppt/slides/slide15.xml><?xml version="1.0" encoding="utf-8"?>
 <p:sld xmlns:a="http://schemas.openxmlformats.org/drawingml/2006/main" xmlns:r="http://schemas.openxmlformats.org/officeDocument/2006/relationships" xmlns:p="http://schemas.openxmlformats.org/presentationml/2006/main">
   <p:cSld>
     <p:spTree>

--- a/Journée du 5 mai 2023.pptx
+++ b/Journée du 5 mai 2023.pptx
@@ -5,7 +5,7 @@
     <p:sldMasterId id="2147483648" r:id="rId1"/>
   </p:sldMasterIdLst>
   <p:notesMasterIdLst>
-    <p:notesMasterId r:id="rId17"/>
+    <p:notesMasterId r:id="rId18"/>
   </p:notesMasterIdLst>
   <p:sldIdLst>
     <p:sldId id="256" r:id="rId2"/>
@@ -23,6 +23,7 @@
     <p:sldId id="267" r:id="rId14"/>
     <p:sldId id="268" r:id="rId15"/>
     <p:sldId id="269" r:id="rId16"/>
+    <p:sldId id="271" r:id="rId17"/>
   </p:sldIdLst>
   <p:sldSz cx="12192000" cy="6858000"/>
   <p:notesSz cx="6858000" cy="9144000"/>
@@ -4923,6 +4924,137 @@
     <p:extLst>
       <p:ext uri="{BB962C8B-B14F-4D97-AF65-F5344CB8AC3E}">
         <p14:creationId xmlns:p14="http://schemas.microsoft.com/office/powerpoint/2010/main" val="3863798381"/>
+      </p:ext>
+    </p:extLst>
+  </p:cSld>
+  <p:clrMapOvr>
+    <a:masterClrMapping/>
+  </p:clrMapOvr>
+</p:sld>
+</file>
+
+<file path=ppt/slides/slide16.xml><?xml version="1.0" encoding="utf-8"?>
+<p:sld xmlns:a="http://schemas.openxmlformats.org/drawingml/2006/main" xmlns:r="http://schemas.openxmlformats.org/officeDocument/2006/relationships" xmlns:p="http://schemas.openxmlformats.org/presentationml/2006/main">
+  <p:cSld>
+    <p:spTree>
+      <p:nvGrpSpPr>
+        <p:cNvPr id="1" name=""/>
+        <p:cNvGrpSpPr/>
+        <p:nvPr/>
+      </p:nvGrpSpPr>
+      <p:grpSpPr>
+        <a:xfrm>
+          <a:off x="0" y="0"/>
+          <a:ext cx="0" cy="0"/>
+          <a:chOff x="0" y="0"/>
+          <a:chExt cx="0" cy="0"/>
+        </a:xfrm>
+      </p:grpSpPr>
+      <p:sp>
+        <p:nvSpPr>
+          <p:cNvPr id="2" name="Titre 1"/>
+          <p:cNvSpPr>
+            <a:spLocks noGrp="1"/>
+          </p:cNvSpPr>
+          <p:nvPr>
+            <p:ph type="title"/>
+          </p:nvPr>
+        </p:nvSpPr>
+        <p:spPr/>
+        <p:txBody>
+          <a:bodyPr/>
+          <a:lstStyle/>
+          <a:p>
+            <a:r>
+              <a:rPr lang="fr-FR" dirty="0" smtClean="0">
+                <a:solidFill>
+                  <a:srgbClr val="0070C0"/>
+                </a:solidFill>
+              </a:rPr>
+              <a:t>CONCLUSION</a:t>
+            </a:r>
+            <a:endParaRPr lang="fr-FR" dirty="0">
+              <a:solidFill>
+                <a:srgbClr val="0070C0"/>
+              </a:solidFill>
+            </a:endParaRPr>
+          </a:p>
+        </p:txBody>
+      </p:sp>
+      <p:sp>
+        <p:nvSpPr>
+          <p:cNvPr id="3" name="Espace réservé du contenu 2"/>
+          <p:cNvSpPr>
+            <a:spLocks noGrp="1"/>
+          </p:cNvSpPr>
+          <p:nvPr>
+            <p:ph idx="1"/>
+          </p:nvPr>
+        </p:nvSpPr>
+        <p:spPr/>
+        <p:txBody>
+          <a:bodyPr/>
+          <a:lstStyle/>
+          <a:p>
+            <a:r>
+              <a:rPr lang="fr-FR" dirty="0" smtClean="0"/>
+              <a:t>Partage des avis des participants sur l’évolution de l’Intelligence Artificielle dans le futur.</a:t>
+            </a:r>
+            <a:br>
+              <a:rPr lang="fr-FR" dirty="0" smtClean="0"/>
+            </a:br>
+            <a:endParaRPr lang="fr-FR" dirty="0" smtClean="0"/>
+          </a:p>
+          <a:p>
+            <a:r>
+              <a:rPr lang="fr-FR" dirty="0" smtClean="0"/>
+              <a:t>Quelle place aura l’intelligence artificielle dans les prochaines années :</a:t>
+            </a:r>
+          </a:p>
+          <a:p>
+            <a:pPr lvl="2"/>
+            <a:r>
+              <a:rPr lang="fr-FR" dirty="0" smtClean="0"/>
+              <a:t>A l’école</a:t>
+            </a:r>
+          </a:p>
+          <a:p>
+            <a:pPr lvl="2"/>
+            <a:r>
+              <a:rPr lang="fr-FR" dirty="0" smtClean="0"/>
+              <a:t>A la maison</a:t>
+            </a:r>
+          </a:p>
+          <a:p>
+            <a:pPr lvl="2"/>
+            <a:r>
+              <a:rPr lang="fr-FR" dirty="0" smtClean="0"/>
+              <a:t>Au travail</a:t>
+            </a:r>
+          </a:p>
+          <a:p>
+            <a:pPr lvl="2"/>
+            <a:endParaRPr lang="fr-FR" dirty="0" smtClean="0"/>
+          </a:p>
+          <a:p>
+            <a:r>
+              <a:rPr lang="fr-FR" sz="3200" dirty="0" smtClean="0">
+                <a:solidFill>
+                  <a:srgbClr val="C00000"/>
+                </a:solidFill>
+              </a:rPr>
+              <a:t>Merci de votre présence !!!</a:t>
+            </a:r>
+          </a:p>
+          <a:p>
+            <a:endParaRPr lang="fr-FR" dirty="0"/>
+          </a:p>
+        </p:txBody>
+      </p:sp>
+    </p:spTree>
+    <p:extLst>
+      <p:ext uri="{BB962C8B-B14F-4D97-AF65-F5344CB8AC3E}">
+        <p14:creationId xmlns:p14="http://schemas.microsoft.com/office/powerpoint/2010/main" val="2062144957"/>
       </p:ext>
     </p:extLst>
   </p:cSld>

--- a/Journée du 5 mai 2023.pptx
+++ b/Journée du 5 mai 2023.pptx
@@ -5,7 +5,7 @@
     <p:sldMasterId id="2147483648" r:id="rId1"/>
   </p:sldMasterIdLst>
   <p:notesMasterIdLst>
-    <p:notesMasterId r:id="rId18"/>
+    <p:notesMasterId r:id="rId19"/>
   </p:notesMasterIdLst>
   <p:sldIdLst>
     <p:sldId id="256" r:id="rId2"/>
@@ -20,10 +20,11 @@
     <p:sldId id="265" r:id="rId11"/>
     <p:sldId id="266" r:id="rId12"/>
     <p:sldId id="270" r:id="rId13"/>
-    <p:sldId id="267" r:id="rId14"/>
-    <p:sldId id="268" r:id="rId15"/>
-    <p:sldId id="269" r:id="rId16"/>
-    <p:sldId id="271" r:id="rId17"/>
+    <p:sldId id="272" r:id="rId14"/>
+    <p:sldId id="267" r:id="rId15"/>
+    <p:sldId id="268" r:id="rId16"/>
+    <p:sldId id="269" r:id="rId17"/>
+    <p:sldId id="271" r:id="rId18"/>
   </p:sldIdLst>
   <p:sldSz cx="12192000" cy="6858000"/>
   <p:notesSz cx="6858000" cy="9144000"/>
@@ -3878,7 +3879,7 @@
                   <a:srgbClr val="0070C0"/>
                 </a:solidFill>
               </a:rPr>
-              <a:t>Faire un </a:t>
+              <a:t>On va faire un </a:t>
             </a:r>
             <a:r>
               <a:rPr lang="fr-FR" dirty="0" err="1" smtClean="0">
@@ -3934,7 +3935,19 @@
               <a:rPr lang="fr-FR" dirty="0" smtClean="0"/>
               <a:t>on à le rendre illisible par ceux qui n’ont pas la règle (on appelle ça la clé)</a:t>
             </a:r>
+          </a:p>
+          <a:p>
+            <a:endParaRPr lang="fr-FR" dirty="0"/>
+          </a:p>
+          <a:p>
             <a:endParaRPr lang="fr-FR" dirty="0" smtClean="0"/>
+          </a:p>
+          <a:p>
+            <a:r>
+              <a:rPr lang="fr-FR" dirty="0" smtClean="0"/>
+              <a:t>A vous …</a:t>
+            </a:r>
+            <a:endParaRPr lang="fr-FR" dirty="0"/>
           </a:p>
         </p:txBody>
       </p:sp>
@@ -4025,11 +4038,11 @@
             <a:pPr lvl="1"/>
             <a:r>
               <a:rPr lang="fr-FR" dirty="0" smtClean="0"/>
-              <a:t>Le petit ordinateur est un </a:t>
+              <a:t>Le petit ordinateur est un micro-</a:t>
             </a:r>
             <a:r>
               <a:rPr lang="fr-FR" dirty="0" err="1" smtClean="0"/>
-              <a:t>microcontrolleur</a:t>
+              <a:t>controlleur</a:t>
             </a:r>
             <a:endParaRPr lang="fr-FR" dirty="0" smtClean="0"/>
           </a:p>
@@ -4058,7 +4071,7 @@
             <a:pPr lvl="2"/>
             <a:r>
               <a:rPr lang="fr-FR" dirty="0" smtClean="0"/>
-              <a:t>Pour agir que des objets (des moteurs, allumer des </a:t>
+              <a:t>Pour agir sur des objets (des moteurs, allumer des </a:t>
             </a:r>
             <a:r>
               <a:rPr lang="fr-FR" dirty="0" err="1" smtClean="0"/>
@@ -4073,7 +4086,7 @@
             <a:pPr lvl="1"/>
             <a:r>
               <a:rPr lang="fr-FR" dirty="0" smtClean="0"/>
-              <a:t>Et on peut aussi les programmer pour y installer des algorithmes, des séquences d’actions</a:t>
+              <a:t>Et on peut aussi le programmer pour y installer des algorithmes, des séquences d’actions</a:t>
             </a:r>
           </a:p>
           <a:p>
@@ -4375,6 +4388,107 @@
                   <a:srgbClr val="0070C0"/>
                 </a:solidFill>
               </a:rPr>
+              <a:t>La programmation de l’</a:t>
+            </a:r>
+            <a:r>
+              <a:rPr lang="fr-FR" dirty="0" err="1" smtClean="0">
+                <a:solidFill>
+                  <a:srgbClr val="0070C0"/>
+                </a:solidFill>
+              </a:rPr>
+              <a:t>Arduino</a:t>
+            </a:r>
+            <a:r>
+              <a:rPr lang="fr-FR" dirty="0" smtClean="0">
+                <a:solidFill>
+                  <a:srgbClr val="0070C0"/>
+                </a:solidFill>
+              </a:rPr>
+              <a:t> : l’IDE </a:t>
+            </a:r>
+            <a:endParaRPr lang="fr-FR" dirty="0">
+              <a:solidFill>
+                <a:srgbClr val="0070C0"/>
+              </a:solidFill>
+            </a:endParaRPr>
+          </a:p>
+        </p:txBody>
+      </p:sp>
+      <p:pic>
+        <p:nvPicPr>
+          <p:cNvPr id="4" name="Image 3"/>
+          <p:cNvPicPr>
+            <a:picLocks noChangeAspect="1"/>
+          </p:cNvPicPr>
+          <p:nvPr/>
+        </p:nvPicPr>
+        <p:blipFill>
+          <a:blip r:embed="rId2"/>
+          <a:stretch>
+            <a:fillRect/>
+          </a:stretch>
+        </p:blipFill>
+        <p:spPr>
+          <a:xfrm>
+            <a:off x="1418397" y="1525563"/>
+            <a:ext cx="8321951" cy="4686849"/>
+          </a:xfrm>
+          <a:prstGeom prst="rect">
+            <a:avLst/>
+          </a:prstGeom>
+        </p:spPr>
+      </p:pic>
+    </p:spTree>
+    <p:extLst>
+      <p:ext uri="{BB962C8B-B14F-4D97-AF65-F5344CB8AC3E}">
+        <p14:creationId xmlns:p14="http://schemas.microsoft.com/office/powerpoint/2010/main" val="3840923373"/>
+      </p:ext>
+    </p:extLst>
+  </p:cSld>
+  <p:clrMapOvr>
+    <a:masterClrMapping/>
+  </p:clrMapOvr>
+</p:sld>
+</file>
+
+<file path=ppt/slides/slide14.xml><?xml version="1.0" encoding="utf-8"?>
+<p:sld xmlns:a="http://schemas.openxmlformats.org/drawingml/2006/main" xmlns:r="http://schemas.openxmlformats.org/officeDocument/2006/relationships" xmlns:p="http://schemas.openxmlformats.org/presentationml/2006/main">
+  <p:cSld>
+    <p:spTree>
+      <p:nvGrpSpPr>
+        <p:cNvPr id="1" name=""/>
+        <p:cNvGrpSpPr/>
+        <p:nvPr/>
+      </p:nvGrpSpPr>
+      <p:grpSpPr>
+        <a:xfrm>
+          <a:off x="0" y="0"/>
+          <a:ext cx="0" cy="0"/>
+          <a:chOff x="0" y="0"/>
+          <a:chExt cx="0" cy="0"/>
+        </a:xfrm>
+      </p:grpSpPr>
+      <p:sp>
+        <p:nvSpPr>
+          <p:cNvPr id="2" name="Titre 1"/>
+          <p:cNvSpPr>
+            <a:spLocks noGrp="1"/>
+          </p:cNvSpPr>
+          <p:nvPr>
+            <p:ph type="title"/>
+          </p:nvPr>
+        </p:nvSpPr>
+        <p:spPr/>
+        <p:txBody>
+          <a:bodyPr/>
+          <a:lstStyle/>
+          <a:p>
+            <a:r>
+              <a:rPr lang="fr-FR" dirty="0" smtClean="0">
+                <a:solidFill>
+                  <a:srgbClr val="0070C0"/>
+                </a:solidFill>
+              </a:rPr>
               <a:t>Les images avec ESP32 CAM</a:t>
             </a:r>
             <a:endParaRPr lang="fr-FR" dirty="0">
@@ -4561,7 +4675,7 @@
 </p:sld>
 </file>
 
-<file path=ppt/slides/slide14.xml><?xml version="1.0" encoding="utf-8"?>
+<file path=ppt/slides/slide15.xml><?xml version="1.0" encoding="utf-8"?>
 <p:sld xmlns:a="http://schemas.openxmlformats.org/drawingml/2006/main" xmlns:r="http://schemas.openxmlformats.org/officeDocument/2006/relationships" xmlns:p="http://schemas.openxmlformats.org/presentationml/2006/main">
   <p:cSld>
     <p:spTree>
@@ -4817,7 +4931,7 @@
 </p:sld>
 </file>
 
-<file path=ppt/slides/slide15.xml><?xml version="1.0" encoding="utf-8"?>
+<file path=ppt/slides/slide16.xml><?xml version="1.0" encoding="utf-8"?>
 <p:sld xmlns:a="http://schemas.openxmlformats.org/drawingml/2006/main" xmlns:r="http://schemas.openxmlformats.org/officeDocument/2006/relationships" xmlns:p="http://schemas.openxmlformats.org/presentationml/2006/main">
   <p:cSld>
     <p:spTree>
@@ -4887,7 +5001,7 @@
           <a:p>
             <a:r>
               <a:rPr lang="fr-FR" dirty="0" smtClean="0"/>
-              <a:t>Mais aussi on peut écrire un programme (par exemple avec le langage de programmation Python) ce qui permet d’utiliser les images</a:t>
+              <a:t>Mais aussi on peut écrire un programme sur le PC (par exemple avec le langage de programmation Python) ce qui permet d’utiliser les images</a:t>
             </a:r>
           </a:p>
           <a:p>
@@ -4933,7 +5047,7 @@
 </p:sld>
 </file>
 
-<file path=ppt/slides/slide16.xml><?xml version="1.0" encoding="utf-8"?>
+<file path=ppt/slides/slide17.xml><?xml version="1.0" encoding="utf-8"?>
 <p:sld xmlns:a="http://schemas.openxmlformats.org/drawingml/2006/main" xmlns:r="http://schemas.openxmlformats.org/officeDocument/2006/relationships" xmlns:p="http://schemas.openxmlformats.org/presentationml/2006/main">
   <p:cSld>
     <p:spTree>
@@ -5842,7 +5956,7 @@
             <a:pPr lvl="2"/>
             <a:r>
               <a:rPr lang="fr-FR" dirty="0" smtClean="0"/>
-              <a:t>et ça nous fait « penser »</a:t>
+              <a:t>et c’est ça qui nous fait « penser » !!!!</a:t>
             </a:r>
           </a:p>
           <a:p>
@@ -5855,7 +5969,7 @@
             <a:pPr lvl="1"/>
             <a:r>
               <a:rPr lang="fr-FR" dirty="0" smtClean="0"/>
-              <a:t>Les neurones artificiels</a:t>
+              <a:t>Ça a donné les neurones artificiels</a:t>
             </a:r>
           </a:p>
         </p:txBody>
@@ -7116,7 +7230,7 @@
             <a:pPr lvl="2"/>
             <a:r>
               <a:rPr lang="fr-FR" dirty="0" smtClean="0"/>
-              <a:t>2) Et lui, complète ce contexte par des phrases qui complètent de façon la plus </a:t>
+              <a:t>2) Et lui, il complète ce contexte par des phrases qui complètent de façon la plus </a:t>
             </a:r>
             <a:r>
               <a:rPr lang="fr-FR" sz="2400" b="1" dirty="0" smtClean="0">
@@ -7128,7 +7242,15 @@
             </a:r>
             <a:r>
               <a:rPr lang="fr-FR" dirty="0" smtClean="0"/>
-              <a:t> (statistiquement) ce contexte par rapport à tout ce qu’il a appris</a:t>
+              <a:t> possible (</a:t>
+            </a:r>
+            <a:r>
+              <a:rPr lang="fr-FR" i="1" dirty="0" smtClean="0"/>
+              <a:t>statistiquement</a:t>
+            </a:r>
+            <a:r>
+              <a:rPr lang="fr-FR" dirty="0" smtClean="0"/>
+              <a:t>) ce contexte, par rapport à tout ce qu’il a appris</a:t>
             </a:r>
           </a:p>
           <a:p>
